--- a/Design_Presentation.pptx
+++ b/Design_Presentation.pptx
@@ -107,6 +107,11 @@
       </a:defRPr>
     </a:lvl9pPr>
   </p:defaultTextStyle>
+  <p:extLst>
+    <p:ext uri="{EFAFB233-063F-42B5-8137-9DF3F51BA10A}">
+      <p15:sldGuideLst xmlns:p15="http://schemas.microsoft.com/office/powerpoint/2012/main"/>
+    </p:ext>
+  </p:extLst>
 </p:presentation>
 </file>
 
@@ -3844,8 +3849,8 @@
           </a:p>
         </p:txBody>
       </p:sp>
-      <mc:AlternateContent xmlns:mc="http://schemas.openxmlformats.org/markup-compatibility/2006">
-        <mc:Choice xmlns:a14="http://schemas.microsoft.com/office/drawing/2010/main" Requires="a14">
+      <mc:AlternateContent xmlns:mc="http://schemas.openxmlformats.org/markup-compatibility/2006" xmlns:a14="http://schemas.microsoft.com/office/drawing/2010/main">
+        <mc:Choice Requires="a14">
           <p:sp>
             <p:nvSpPr>
               <p:cNvPr id="4" name="Content Placeholder 3">
@@ -3936,13 +3941,7 @@
                             <a:rPr lang="en-US" sz="1400" b="0" i="1" smtClean="0">
                               <a:latin typeface="Cambria Math" panose="02040503050406030204" pitchFamily="18" charset="0"/>
                             </a:rPr>
-                            <m:t>𝑇</m:t>
-                          </m:r>
-                          <m:r>
-                            <a:rPr lang="en-US" sz="1400" b="0" i="1" smtClean="0">
-                              <a:latin typeface="Cambria Math" panose="02040503050406030204" pitchFamily="18" charset="0"/>
-                            </a:rPr>
-                            <m:t>h𝑟𝑢𝑠𝑡</m:t>
+                            <m:t>𝑇h𝑟𝑢𝑠𝑡</m:t>
                           </m:r>
                           <m:r>
                             <a:rPr lang="en-US" sz="1400" b="0" i="1" smtClean="0">
@@ -3966,13 +3965,7 @@
                             <a:rPr lang="en-US" sz="1400" b="0" i="1" smtClean="0">
                               <a:latin typeface="Cambria Math" panose="02040503050406030204" pitchFamily="18" charset="0"/>
                             </a:rPr>
-                            <m:t>𝐶</m:t>
-                          </m:r>
-                          <m:r>
-                            <a:rPr lang="en-US" sz="1400" b="0" i="1" smtClean="0">
-                              <a:latin typeface="Cambria Math" panose="02040503050406030204" pitchFamily="18" charset="0"/>
-                            </a:rPr>
-                            <m:t>𝑎𝑚𝑝𝑎𝑖𝑔𝑛</m:t>
+                            <m:t>𝐶𝑎𝑚𝑝𝑎𝑖𝑔𝑛</m:t>
                           </m:r>
                           <m:r>
                             <a:rPr lang="en-US" sz="1400" b="0" i="1" smtClean="0">
@@ -4294,7 +4287,7 @@
             </p:txBody>
           </p:sp>
         </mc:Choice>
-        <mc:Fallback>
+        <mc:Fallback xmlns="">
           <p:sp>
             <p:nvSpPr>
               <p:cNvPr id="4" name="Content Placeholder 3">

--- a/Design_Presentation.pptx
+++ b/Design_Presentation.pptx
@@ -7,8 +7,10 @@
   <p:sldIdLst>
     <p:sldId id="256" r:id="rId2"/>
     <p:sldId id="258" r:id="rId3"/>
-    <p:sldId id="262" r:id="rId4"/>
-    <p:sldId id="263" r:id="rId5"/>
+    <p:sldId id="264" r:id="rId4"/>
+    <p:sldId id="265" r:id="rId5"/>
+    <p:sldId id="263" r:id="rId6"/>
+    <p:sldId id="266" r:id="rId7"/>
   </p:sldIdLst>
   <p:sldSz cx="12192000" cy="6858000"/>
   <p:notesSz cx="6858000" cy="9144000"/>
@@ -262,7 +264,7 @@
           <a:p>
             <a:fld id="{9BF4857E-0086-44F6-A7B2-C9A46FFD8A57}" type="datetimeFigureOut">
               <a:rPr lang="en-US" smtClean="0"/>
-              <a:t>2/26/2024</a:t>
+              <a:t>3/5/2024</a:t>
             </a:fld>
             <a:endParaRPr lang="en-US"/>
           </a:p>
@@ -460,7 +462,7 @@
           <a:p>
             <a:fld id="{9BF4857E-0086-44F6-A7B2-C9A46FFD8A57}" type="datetimeFigureOut">
               <a:rPr lang="en-US" smtClean="0"/>
-              <a:t>2/26/2024</a:t>
+              <a:t>3/5/2024</a:t>
             </a:fld>
             <a:endParaRPr lang="en-US"/>
           </a:p>
@@ -668,7 +670,7 @@
           <a:p>
             <a:fld id="{9BF4857E-0086-44F6-A7B2-C9A46FFD8A57}" type="datetimeFigureOut">
               <a:rPr lang="en-US" smtClean="0"/>
-              <a:t>2/26/2024</a:t>
+              <a:t>3/5/2024</a:t>
             </a:fld>
             <a:endParaRPr lang="en-US"/>
           </a:p>
@@ -866,7 +868,7 @@
           <a:p>
             <a:fld id="{9BF4857E-0086-44F6-A7B2-C9A46FFD8A57}" type="datetimeFigureOut">
               <a:rPr lang="en-US" smtClean="0"/>
-              <a:t>2/26/2024</a:t>
+              <a:t>3/5/2024</a:t>
             </a:fld>
             <a:endParaRPr lang="en-US"/>
           </a:p>
@@ -1141,7 +1143,7 @@
           <a:p>
             <a:fld id="{9BF4857E-0086-44F6-A7B2-C9A46FFD8A57}" type="datetimeFigureOut">
               <a:rPr lang="en-US" smtClean="0"/>
-              <a:t>2/26/2024</a:t>
+              <a:t>3/5/2024</a:t>
             </a:fld>
             <a:endParaRPr lang="en-US"/>
           </a:p>
@@ -1406,7 +1408,7 @@
           <a:p>
             <a:fld id="{9BF4857E-0086-44F6-A7B2-C9A46FFD8A57}" type="datetimeFigureOut">
               <a:rPr lang="en-US" smtClean="0"/>
-              <a:t>2/26/2024</a:t>
+              <a:t>3/5/2024</a:t>
             </a:fld>
             <a:endParaRPr lang="en-US"/>
           </a:p>
@@ -1818,7 +1820,7 @@
           <a:p>
             <a:fld id="{9BF4857E-0086-44F6-A7B2-C9A46FFD8A57}" type="datetimeFigureOut">
               <a:rPr lang="en-US" smtClean="0"/>
-              <a:t>2/26/2024</a:t>
+              <a:t>3/5/2024</a:t>
             </a:fld>
             <a:endParaRPr lang="en-US"/>
           </a:p>
@@ -1959,7 +1961,7 @@
           <a:p>
             <a:fld id="{9BF4857E-0086-44F6-A7B2-C9A46FFD8A57}" type="datetimeFigureOut">
               <a:rPr lang="en-US" smtClean="0"/>
-              <a:t>2/26/2024</a:t>
+              <a:t>3/5/2024</a:t>
             </a:fld>
             <a:endParaRPr lang="en-US"/>
           </a:p>
@@ -2072,7 +2074,7 @@
           <a:p>
             <a:fld id="{9BF4857E-0086-44F6-A7B2-C9A46FFD8A57}" type="datetimeFigureOut">
               <a:rPr lang="en-US" smtClean="0"/>
-              <a:t>2/26/2024</a:t>
+              <a:t>3/5/2024</a:t>
             </a:fld>
             <a:endParaRPr lang="en-US"/>
           </a:p>
@@ -2383,7 +2385,7 @@
           <a:p>
             <a:fld id="{9BF4857E-0086-44F6-A7B2-C9A46FFD8A57}" type="datetimeFigureOut">
               <a:rPr lang="en-US" smtClean="0"/>
-              <a:t>2/26/2024</a:t>
+              <a:t>3/5/2024</a:t>
             </a:fld>
             <a:endParaRPr lang="en-US"/>
           </a:p>
@@ -2671,7 +2673,7 @@
           <a:p>
             <a:fld id="{9BF4857E-0086-44F6-A7B2-C9A46FFD8A57}" type="datetimeFigureOut">
               <a:rPr lang="en-US" smtClean="0"/>
-              <a:t>2/26/2024</a:t>
+              <a:t>3/5/2024</a:t>
             </a:fld>
             <a:endParaRPr lang="en-US"/>
           </a:p>
@@ -2912,7 +2914,7 @@
           <a:p>
             <a:fld id="{9BF4857E-0086-44F6-A7B2-C9A46FFD8A57}" type="datetimeFigureOut">
               <a:rPr lang="en-US" smtClean="0"/>
-              <a:t>2/26/2024</a:t>
+              <a:t>3/5/2024</a:t>
             </a:fld>
             <a:endParaRPr lang="en-US"/>
           </a:p>
@@ -3542,10 +3544,10 @@
       </p:grpSpPr>
       <p:sp>
         <p:nvSpPr>
-          <p:cNvPr id="2" name="Title 1">
-            <a:extLst>
-              <a:ext uri="{FF2B5EF4-FFF2-40B4-BE49-F238E27FC236}">
-                <a16:creationId xmlns:a16="http://schemas.microsoft.com/office/drawing/2014/main" id="{926DB329-3BEE-8485-B3BA-AAAEDDA6D301}"/>
+          <p:cNvPr id="7" name="Title 6">
+            <a:extLst>
+              <a:ext uri="{FF2B5EF4-FFF2-40B4-BE49-F238E27FC236}">
+                <a16:creationId xmlns:a16="http://schemas.microsoft.com/office/drawing/2014/main" id="{1137666A-CC1C-B6F2-08C2-C0DDDC2D7765}"/>
               </a:ext>
             </a:extLst>
           </p:cNvPr>
@@ -3563,17 +3565,17 @@
           <a:p>
             <a:r>
               <a:rPr lang="en-US" dirty="0"/>
-              <a:t>Operating Point Determination</a:t>
+              <a:t>Blade Pitch Sensitivities</a:t>
             </a:r>
           </a:p>
         </p:txBody>
       </p:sp>
       <p:pic>
         <p:nvPicPr>
-          <p:cNvPr id="10" name="Content Placeholder 9" descr="A graph of a diagram&#10;&#10;Description automatically generated with medium confidence">
-            <a:extLst>
-              <a:ext uri="{FF2B5EF4-FFF2-40B4-BE49-F238E27FC236}">
-                <a16:creationId xmlns:a16="http://schemas.microsoft.com/office/drawing/2014/main" id="{992C4701-99A4-91BE-E506-77980F179D07}"/>
+          <p:cNvPr id="6" name="Content Placeholder 5">
+            <a:extLst>
+              <a:ext uri="{FF2B5EF4-FFF2-40B4-BE49-F238E27FC236}">
+                <a16:creationId xmlns:a16="http://schemas.microsoft.com/office/drawing/2014/main" id="{4B45DBCE-0BD1-E403-2753-1B798FB90237}"/>
               </a:ext>
             </a:extLst>
           </p:cNvPr>
@@ -3581,11 +3583,45 @@
             <a:picLocks noGrp="1" noChangeAspect="1"/>
           </p:cNvPicPr>
           <p:nvPr>
-            <p:ph sz="quarter" idx="4"/>
+            <p:ph sz="half" idx="1"/>
           </p:nvPr>
         </p:nvPicPr>
         <p:blipFill>
           <a:blip r:embed="rId2">
+            <a:extLst>
+              <a:ext uri="{28A0092B-C50C-407E-A947-70E740481C1C}">
+                <a14:useLocalDpi xmlns:a14="http://schemas.microsoft.com/office/drawing/2010/main" val="0"/>
+              </a:ext>
+            </a:extLst>
+          </a:blip>
+          <a:srcRect/>
+          <a:stretch/>
+        </p:blipFill>
+        <p:spPr>
+          <a:xfrm>
+            <a:off x="838200" y="2058194"/>
+            <a:ext cx="5181600" cy="3886199"/>
+          </a:xfrm>
+        </p:spPr>
+      </p:pic>
+      <p:pic>
+        <p:nvPicPr>
+          <p:cNvPr id="10" name="Content Placeholder 9" descr="A graph of different colored lines&#10;&#10;Description automatically generated">
+            <a:extLst>
+              <a:ext uri="{FF2B5EF4-FFF2-40B4-BE49-F238E27FC236}">
+                <a16:creationId xmlns:a16="http://schemas.microsoft.com/office/drawing/2014/main" id="{93AD3159-AD78-32E0-F4EC-6E8B4FBCA519}"/>
+              </a:ext>
+            </a:extLst>
+          </p:cNvPr>
+          <p:cNvPicPr>
+            <a:picLocks noGrp="1" noChangeAspect="1"/>
+          </p:cNvPicPr>
+          <p:nvPr>
+            <p:ph sz="half" idx="2"/>
+          </p:nvPr>
+        </p:nvPicPr>
+        <p:blipFill>
+          <a:blip r:embed="rId3">
             <a:extLst>
               <a:ext uri="{28A0092B-C50C-407E-A947-70E740481C1C}">
                 <a14:useLocalDpi xmlns:a14="http://schemas.microsoft.com/office/drawing/2010/main" val="0"/>
@@ -3598,203 +3634,15 @@
         </p:blipFill>
         <p:spPr>
           <a:xfrm>
-            <a:off x="6235118" y="1690688"/>
-            <a:ext cx="5850791" cy="4388093"/>
+            <a:off x="6172200" y="2058194"/>
+            <a:ext cx="5181600" cy="3886199"/>
           </a:xfrm>
         </p:spPr>
       </p:pic>
-      <p:sp>
-        <p:nvSpPr>
-          <p:cNvPr id="4" name="Content Placeholder 3">
-            <a:extLst>
-              <a:ext uri="{FF2B5EF4-FFF2-40B4-BE49-F238E27FC236}">
-                <a16:creationId xmlns:a16="http://schemas.microsoft.com/office/drawing/2014/main" id="{CC8A7043-1F69-5A37-618C-D18612008858}"/>
-              </a:ext>
-            </a:extLst>
-          </p:cNvPr>
-          <p:cNvSpPr>
-            <a:spLocks noGrp="1"/>
-          </p:cNvSpPr>
-          <p:nvPr>
-            <p:ph sz="half" idx="2"/>
-          </p:nvPr>
-        </p:nvSpPr>
-        <p:spPr/>
-        <p:txBody>
-          <a:bodyPr>
-            <a:normAutofit/>
-          </a:bodyPr>
-          <a:lstStyle/>
-          <a:p>
-            <a:r>
-              <a:rPr lang="en-US" sz="2400" dirty="0"/>
-              <a:t>OP Requirements:</a:t>
-            </a:r>
-          </a:p>
-          <a:p>
-            <a:pPr lvl="1"/>
-            <a:r>
-              <a:rPr lang="en-US" sz="1800" dirty="0"/>
-              <a:t>Sufficient pitch sensitivity</a:t>
-            </a:r>
-          </a:p>
-          <a:p>
-            <a:pPr lvl="1"/>
-            <a:r>
-              <a:rPr lang="en-US" sz="1800" dirty="0"/>
-              <a:t>Reasonable operating RPM</a:t>
-            </a:r>
-          </a:p>
-          <a:p>
-            <a:pPr lvl="1"/>
-            <a:r>
-              <a:rPr lang="en-US" sz="1800" dirty="0"/>
-              <a:t>Centered on viable pitch range</a:t>
-            </a:r>
-          </a:p>
-          <a:p>
-            <a:r>
-              <a:rPr lang="en-US" sz="2200" dirty="0"/>
-              <a:t>Use above-rated RPM estimates to determine model rated speed</a:t>
-            </a:r>
-          </a:p>
-          <a:p>
-            <a:endParaRPr lang="en-US" sz="2200" dirty="0"/>
-          </a:p>
-        </p:txBody>
-      </p:sp>
-      <p:sp>
-        <p:nvSpPr>
-          <p:cNvPr id="5" name="Oval 4">
-            <a:extLst>
-              <a:ext uri="{FF2B5EF4-FFF2-40B4-BE49-F238E27FC236}">
-                <a16:creationId xmlns:a16="http://schemas.microsoft.com/office/drawing/2014/main" id="{936A65BD-5BD4-B7C3-8591-72D060EC9044}"/>
-              </a:ext>
-            </a:extLst>
-          </p:cNvPr>
-          <p:cNvSpPr/>
-          <p:nvPr/>
-        </p:nvSpPr>
-        <p:spPr>
-          <a:xfrm>
-            <a:off x="9320168" y="3682767"/>
-            <a:ext cx="125835" cy="117446"/>
-          </a:xfrm>
-          <a:prstGeom prst="ellipse">
-            <a:avLst/>
-          </a:prstGeom>
-        </p:spPr>
-        <p:style>
-          <a:lnRef idx="2">
-            <a:schemeClr val="accent1">
-              <a:shade val="15000"/>
-            </a:schemeClr>
-          </a:lnRef>
-          <a:fillRef idx="1">
-            <a:schemeClr val="accent1"/>
-          </a:fillRef>
-          <a:effectRef idx="0">
-            <a:schemeClr val="accent1"/>
-          </a:effectRef>
-          <a:fontRef idx="minor">
-            <a:schemeClr val="lt1"/>
-          </a:fontRef>
-        </p:style>
-        <p:txBody>
-          <a:bodyPr rtlCol="0" anchor="ctr"/>
-          <a:lstStyle/>
-          <a:p>
-            <a:pPr algn="ctr"/>
-            <a:endParaRPr lang="en-US"/>
-          </a:p>
-        </p:txBody>
-      </p:sp>
-      <p:cxnSp>
-        <p:nvCxnSpPr>
-          <p:cNvPr id="7" name="Straight Arrow Connector 6">
-            <a:extLst>
-              <a:ext uri="{FF2B5EF4-FFF2-40B4-BE49-F238E27FC236}">
-                <a16:creationId xmlns:a16="http://schemas.microsoft.com/office/drawing/2014/main" id="{5FBB95BE-2FF7-F40C-DA6F-0A4E169D615E}"/>
-              </a:ext>
-            </a:extLst>
-          </p:cNvPr>
-          <p:cNvCxnSpPr>
-            <a:cxnSpLocks/>
-          </p:cNvCxnSpPr>
-          <p:nvPr/>
-        </p:nvCxnSpPr>
-        <p:spPr>
-          <a:xfrm>
-            <a:off x="8405769" y="3187817"/>
-            <a:ext cx="864329" cy="494950"/>
-          </a:xfrm>
-          <a:prstGeom prst="straightConnector1">
-            <a:avLst/>
-          </a:prstGeom>
-          <a:ln w="19050" cap="flat" cmpd="sng" algn="ctr">
-            <a:solidFill>
-              <a:schemeClr val="dk1"/>
-            </a:solidFill>
-            <a:prstDash val="solid"/>
-            <a:round/>
-            <a:headEnd type="none" w="med" len="med"/>
-            <a:tailEnd type="arrow" w="med" len="med"/>
-          </a:ln>
-        </p:spPr>
-        <p:style>
-          <a:lnRef idx="0">
-            <a:scrgbClr r="0" g="0" b="0"/>
-          </a:lnRef>
-          <a:fillRef idx="0">
-            <a:scrgbClr r="0" g="0" b="0"/>
-          </a:fillRef>
-          <a:effectRef idx="0">
-            <a:scrgbClr r="0" g="0" b="0"/>
-          </a:effectRef>
-          <a:fontRef idx="minor">
-            <a:schemeClr val="tx1"/>
-          </a:fontRef>
-        </p:style>
-      </p:cxnSp>
-      <p:sp>
-        <p:nvSpPr>
-          <p:cNvPr id="9" name="TextBox 8">
-            <a:extLst>
-              <a:ext uri="{FF2B5EF4-FFF2-40B4-BE49-F238E27FC236}">
-                <a16:creationId xmlns:a16="http://schemas.microsoft.com/office/drawing/2014/main" id="{180D63A2-40E0-E737-F30C-AA9D2FDD5ED1}"/>
-              </a:ext>
-            </a:extLst>
-          </p:cNvPr>
-          <p:cNvSpPr txBox="1"/>
-          <p:nvPr/>
-        </p:nvSpPr>
-        <p:spPr>
-          <a:xfrm>
-            <a:off x="7399353" y="2763794"/>
-            <a:ext cx="1870745" cy="646331"/>
-          </a:xfrm>
-          <a:prstGeom prst="rect">
-            <a:avLst/>
-          </a:prstGeom>
-          <a:noFill/>
-        </p:spPr>
-        <p:txBody>
-          <a:bodyPr wrap="square" rtlCol="0">
-            <a:spAutoFit/>
-          </a:bodyPr>
-          <a:lstStyle/>
-          <a:p>
-            <a:r>
-              <a:rPr lang="en-US" dirty="0"/>
-              <a:t>Design operating point</a:t>
-            </a:r>
-          </a:p>
-        </p:txBody>
-      </p:sp>
     </p:spTree>
     <p:extLst>
       <p:ext uri="{BB962C8B-B14F-4D97-AF65-F5344CB8AC3E}">
-        <p14:creationId xmlns:p14="http://schemas.microsoft.com/office/powerpoint/2010/main" val="4225916855"/>
+        <p14:creationId xmlns:p14="http://schemas.microsoft.com/office/powerpoint/2010/main" val="1693031001"/>
       </p:ext>
     </p:extLst>
   </p:cSld>
@@ -3823,6 +3671,140 @@
       </p:grpSpPr>
       <p:sp>
         <p:nvSpPr>
+          <p:cNvPr id="7" name="Title 6">
+            <a:extLst>
+              <a:ext uri="{FF2B5EF4-FFF2-40B4-BE49-F238E27FC236}">
+                <a16:creationId xmlns:a16="http://schemas.microsoft.com/office/drawing/2014/main" id="{1137666A-CC1C-B6F2-08C2-C0DDDC2D7765}"/>
+              </a:ext>
+            </a:extLst>
+          </p:cNvPr>
+          <p:cNvSpPr>
+            <a:spLocks noGrp="1"/>
+          </p:cNvSpPr>
+          <p:nvPr>
+            <p:ph type="title"/>
+          </p:nvPr>
+        </p:nvSpPr>
+        <p:spPr/>
+        <p:txBody>
+          <a:bodyPr/>
+          <a:lstStyle/>
+          <a:p>
+            <a:r>
+              <a:rPr lang="en-US" dirty="0"/>
+              <a:t>Blade Pitch Sensitivities (</a:t>
+            </a:r>
+            <a:r>
+              <a:rPr lang="en-US" dirty="0" err="1"/>
+              <a:t>cont</a:t>
+            </a:r>
+            <a:r>
+              <a:rPr lang="en-US" dirty="0"/>
+              <a:t>…)</a:t>
+            </a:r>
+          </a:p>
+        </p:txBody>
+      </p:sp>
+      <p:pic>
+        <p:nvPicPr>
+          <p:cNvPr id="6" name="Content Placeholder 5">
+            <a:extLst>
+              <a:ext uri="{FF2B5EF4-FFF2-40B4-BE49-F238E27FC236}">
+                <a16:creationId xmlns:a16="http://schemas.microsoft.com/office/drawing/2014/main" id="{4B45DBCE-0BD1-E403-2753-1B798FB90237}"/>
+              </a:ext>
+            </a:extLst>
+          </p:cNvPr>
+          <p:cNvPicPr>
+            <a:picLocks noGrp="1" noChangeAspect="1"/>
+          </p:cNvPicPr>
+          <p:nvPr>
+            <p:ph sz="half" idx="1"/>
+          </p:nvPr>
+        </p:nvPicPr>
+        <p:blipFill>
+          <a:blip r:embed="rId2">
+            <a:extLst>
+              <a:ext uri="{28A0092B-C50C-407E-A947-70E740481C1C}">
+                <a14:useLocalDpi xmlns:a14="http://schemas.microsoft.com/office/drawing/2010/main" val="0"/>
+              </a:ext>
+            </a:extLst>
+          </a:blip>
+          <a:srcRect/>
+          <a:stretch/>
+        </p:blipFill>
+        <p:spPr>
+          <a:xfrm>
+            <a:off x="838200" y="2058194"/>
+            <a:ext cx="5181600" cy="3886199"/>
+          </a:xfrm>
+        </p:spPr>
+      </p:pic>
+      <p:pic>
+        <p:nvPicPr>
+          <p:cNvPr id="10" name="Content Placeholder 9">
+            <a:extLst>
+              <a:ext uri="{FF2B5EF4-FFF2-40B4-BE49-F238E27FC236}">
+                <a16:creationId xmlns:a16="http://schemas.microsoft.com/office/drawing/2014/main" id="{93AD3159-AD78-32E0-F4EC-6E8B4FBCA519}"/>
+              </a:ext>
+            </a:extLst>
+          </p:cNvPr>
+          <p:cNvPicPr>
+            <a:picLocks noGrp="1" noChangeAspect="1"/>
+          </p:cNvPicPr>
+          <p:nvPr>
+            <p:ph sz="half" idx="2"/>
+          </p:nvPr>
+        </p:nvPicPr>
+        <p:blipFill>
+          <a:blip r:embed="rId3">
+            <a:extLst>
+              <a:ext uri="{28A0092B-C50C-407E-A947-70E740481C1C}">
+                <a14:useLocalDpi xmlns:a14="http://schemas.microsoft.com/office/drawing/2010/main" val="0"/>
+              </a:ext>
+            </a:extLst>
+          </a:blip>
+          <a:srcRect/>
+          <a:stretch/>
+        </p:blipFill>
+        <p:spPr>
+          <a:xfrm>
+            <a:off x="6172200" y="2058194"/>
+            <a:ext cx="5181600" cy="3886199"/>
+          </a:xfrm>
+        </p:spPr>
+      </p:pic>
+    </p:spTree>
+    <p:extLst>
+      <p:ext uri="{BB962C8B-B14F-4D97-AF65-F5344CB8AC3E}">
+        <p14:creationId xmlns:p14="http://schemas.microsoft.com/office/powerpoint/2010/main" val="4071744686"/>
+      </p:ext>
+    </p:extLst>
+  </p:cSld>
+  <p:clrMapOvr>
+    <a:masterClrMapping/>
+  </p:clrMapOvr>
+</p:sld>
+</file>
+
+<file path=ppt/slides/slide5.xml><?xml version="1.0" encoding="utf-8"?>
+<p:sld xmlns:a="http://schemas.openxmlformats.org/drawingml/2006/main" xmlns:r="http://schemas.openxmlformats.org/officeDocument/2006/relationships" xmlns:p="http://schemas.openxmlformats.org/presentationml/2006/main">
+  <p:cSld>
+    <p:spTree>
+      <p:nvGrpSpPr>
+        <p:cNvPr id="1" name=""/>
+        <p:cNvGrpSpPr/>
+        <p:nvPr/>
+      </p:nvGrpSpPr>
+      <p:grpSpPr>
+        <a:xfrm>
+          <a:off x="0" y="0"/>
+          <a:ext cx="0" cy="0"/>
+          <a:chOff x="0" y="0"/>
+          <a:chExt cx="0" cy="0"/>
+        </a:xfrm>
+      </p:grpSpPr>
+      <p:sp>
+        <p:nvSpPr>
           <p:cNvPr id="2" name="Title 1">
             <a:extLst>
               <a:ext uri="{FF2B5EF4-FFF2-40B4-BE49-F238E27FC236}">
@@ -3844,13 +3826,13 @@
           <a:p>
             <a:r>
               <a:rPr lang="en-US" dirty="0"/>
-              <a:t>Necessary Model Scale Operating Parameters</a:t>
-            </a:r>
-          </a:p>
-        </p:txBody>
-      </p:sp>
-      <mc:AlternateContent xmlns:mc="http://schemas.openxmlformats.org/markup-compatibility/2006" xmlns:a14="http://schemas.microsoft.com/office/drawing/2010/main">
-        <mc:Choice Requires="a14">
+              <a:t>Computing Scale Operating Parameters</a:t>
+            </a:r>
+          </a:p>
+        </p:txBody>
+      </p:sp>
+      <mc:AlternateContent xmlns:mc="http://schemas.openxmlformats.org/markup-compatibility/2006">
+        <mc:Choice xmlns:a14="http://schemas.microsoft.com/office/drawing/2010/main" Requires="a14">
           <p:sp>
             <p:nvSpPr>
               <p:cNvPr id="4" name="Content Placeholder 3">
@@ -3878,34 +3860,6 @@
                 <a:normAutofit/>
               </a:bodyPr>
               <a:lstStyle/>
-              <a:p>
-                <a:r>
-                  <a:rPr lang="en-US" sz="1400" dirty="0"/>
-                  <a:t>Model Scale Operating Point:</a:t>
-                </a:r>
-              </a:p>
-              <a:p>
-                <a:pPr lvl="1"/>
-                <a:r>
-                  <a:rPr lang="en-US" sz="1400" dirty="0"/>
-                  <a:t>Blade Pitch:    2.5 deg</a:t>
-                </a:r>
-              </a:p>
-              <a:p>
-                <a:pPr lvl="1"/>
-                <a:r>
-                  <a:rPr lang="en-US" sz="1400" dirty="0"/>
-                  <a:t>TSR Target:      10</a:t>
-                </a:r>
-              </a:p>
-              <a:p>
-                <a:pPr lvl="1"/>
-                <a:r>
-                  <a:rPr lang="en-US" sz="1400" dirty="0"/>
-                  <a:t>Ct:                       0.2328</a:t>
-                </a:r>
-                <a:endParaRPr lang="en-US" sz="1800" dirty="0"/>
-              </a:p>
               <a:p>
                 <a:r>
                   <a:rPr lang="en-US" sz="1400" dirty="0"/>
@@ -3941,7 +3895,19 @@
                             <a:rPr lang="en-US" sz="1400" b="0" i="1" smtClean="0">
                               <a:latin typeface="Cambria Math" panose="02040503050406030204" pitchFamily="18" charset="0"/>
                             </a:rPr>
-                            <m:t>𝑇h𝑟𝑢𝑠𝑡</m:t>
+                            <m:t>𝐹𝑢𝑙𝑙</m:t>
+                          </m:r>
+                          <m:r>
+                            <a:rPr lang="en-US" sz="1400" b="0" i="1" smtClean="0">
+                              <a:latin typeface="Cambria Math" panose="02040503050406030204" pitchFamily="18" charset="0"/>
+                            </a:rPr>
+                            <m:t>−</m:t>
+                          </m:r>
+                          <m:r>
+                            <a:rPr lang="en-US" sz="1400" b="0" i="1" smtClean="0">
+                              <a:latin typeface="Cambria Math" panose="02040503050406030204" pitchFamily="18" charset="0"/>
+                            </a:rPr>
+                            <m:t>𝑆𝑐𝑎𝑙𝑒</m:t>
                           </m:r>
                           <m:r>
                             <a:rPr lang="en-US" sz="1400" b="0" i="1" smtClean="0">
@@ -3953,31 +3919,7 @@
                             <a:rPr lang="en-US" sz="1400" b="0" i="1" smtClean="0">
                               <a:latin typeface="Cambria Math" panose="02040503050406030204" pitchFamily="18" charset="0"/>
                             </a:rPr>
-                            <m:t>𝑓𝑟𝑜𝑚</m:t>
-                          </m:r>
-                          <m:r>
-                            <a:rPr lang="en-US" sz="1400" b="0" i="1" smtClean="0">
-                              <a:latin typeface="Cambria Math" panose="02040503050406030204" pitchFamily="18" charset="0"/>
-                            </a:rPr>
-                            <m:t> </m:t>
-                          </m:r>
-                          <m:r>
-                            <a:rPr lang="en-US" sz="1400" b="0" i="1" smtClean="0">
-                              <a:latin typeface="Cambria Math" panose="02040503050406030204" pitchFamily="18" charset="0"/>
-                            </a:rPr>
-                            <m:t>𝐶𝑎𝑚𝑝𝑎𝑖𝑔𝑛</m:t>
-                          </m:r>
-                          <m:r>
-                            <a:rPr lang="en-US" sz="1400" b="0" i="1" smtClean="0">
-                              <a:latin typeface="Cambria Math" panose="02040503050406030204" pitchFamily="18" charset="0"/>
-                            </a:rPr>
-                            <m:t> 1 </m:t>
-                          </m:r>
-                          <m:r>
-                            <a:rPr lang="en-US" sz="1400" b="0" i="1" smtClean="0">
-                              <a:latin typeface="Cambria Math" panose="02040503050406030204" pitchFamily="18" charset="0"/>
-                            </a:rPr>
-                            <m:t>𝑂𝑝𝑒𝑛𝐹𝐴𝑆𝑇</m:t>
+                            <m:t>𝑇h𝑟𝑢𝑠𝑡</m:t>
                           </m:r>
                         </m:num>
                         <m:den>
@@ -3994,7 +3936,7 @@
                                 <a:rPr lang="en-US" sz="1400" b="0" i="1" smtClean="0">
                                   <a:latin typeface="Cambria Math" panose="02040503050406030204" pitchFamily="18" charset="0"/>
                                 </a:rPr>
-                                <m:t>70</m:t>
+                                <m:t>𝑙𝑎𝑚𝑏𝑑𝑎</m:t>
                               </m:r>
                             </m:e>
                             <m:sup>
@@ -4287,7 +4229,7 @@
             </p:txBody>
           </p:sp>
         </mc:Choice>
-        <mc:Fallback xmlns="">
+        <mc:Fallback>
           <p:sp>
             <p:nvSpPr>
               <p:cNvPr id="4" name="Content Placeholder 3">
@@ -4331,12 +4273,281 @@
           </p:sp>
         </mc:Fallback>
       </mc:AlternateContent>
+      <p:sp>
+        <p:nvSpPr>
+          <p:cNvPr id="3" name="Content Placeholder 3">
+            <a:extLst>
+              <a:ext uri="{FF2B5EF4-FFF2-40B4-BE49-F238E27FC236}">
+                <a16:creationId xmlns:a16="http://schemas.microsoft.com/office/drawing/2014/main" id="{F456BCB1-F2AE-F97E-F46C-E2DB53241952}"/>
+              </a:ext>
+            </a:extLst>
+          </p:cNvPr>
+          <p:cNvSpPr txBox="1">
+            <a:spLocks/>
+          </p:cNvSpPr>
+          <p:nvPr/>
+        </p:nvSpPr>
+        <p:spPr>
+          <a:xfrm>
+            <a:off x="6194427" y="1690688"/>
+            <a:ext cx="5157787" cy="4498975"/>
+          </a:xfrm>
+          <a:prstGeom prst="rect">
+            <a:avLst/>
+          </a:prstGeom>
+        </p:spPr>
+        <p:txBody>
+          <a:bodyPr vert="horz" lIns="91440" tIns="45720" rIns="91440" bIns="45720" rtlCol="0">
+            <a:normAutofit/>
+          </a:bodyPr>
+          <a:lstStyle>
+            <a:lvl1pPr marL="228600" indent="-228600" algn="l" defTabSz="914400" rtl="0" eaLnBrk="1" latinLnBrk="0" hangingPunct="1">
+              <a:lnSpc>
+                <a:spcPct val="90000"/>
+              </a:lnSpc>
+              <a:spcBef>
+                <a:spcPts val="1000"/>
+              </a:spcBef>
+              <a:buFont typeface="Arial" panose="020B0604020202020204" pitchFamily="34" charset="0"/>
+              <a:buChar char="•"/>
+              <a:defRPr sz="2800" kern="1200">
+                <a:solidFill>
+                  <a:schemeClr val="tx1"/>
+                </a:solidFill>
+                <a:latin typeface="+mn-lt"/>
+                <a:ea typeface="+mn-ea"/>
+                <a:cs typeface="+mn-cs"/>
+              </a:defRPr>
+            </a:lvl1pPr>
+            <a:lvl2pPr marL="685800" indent="-228600" algn="l" defTabSz="914400" rtl="0" eaLnBrk="1" latinLnBrk="0" hangingPunct="1">
+              <a:lnSpc>
+                <a:spcPct val="90000"/>
+              </a:lnSpc>
+              <a:spcBef>
+                <a:spcPts val="500"/>
+              </a:spcBef>
+              <a:buFont typeface="Arial" panose="020B0604020202020204" pitchFamily="34" charset="0"/>
+              <a:buChar char="•"/>
+              <a:defRPr sz="2400" kern="1200">
+                <a:solidFill>
+                  <a:schemeClr val="tx1"/>
+                </a:solidFill>
+                <a:latin typeface="+mn-lt"/>
+                <a:ea typeface="+mn-ea"/>
+                <a:cs typeface="+mn-cs"/>
+              </a:defRPr>
+            </a:lvl2pPr>
+            <a:lvl3pPr marL="1143000" indent="-228600" algn="l" defTabSz="914400" rtl="0" eaLnBrk="1" latinLnBrk="0" hangingPunct="1">
+              <a:lnSpc>
+                <a:spcPct val="90000"/>
+              </a:lnSpc>
+              <a:spcBef>
+                <a:spcPts val="500"/>
+              </a:spcBef>
+              <a:buFont typeface="Arial" panose="020B0604020202020204" pitchFamily="34" charset="0"/>
+              <a:buChar char="•"/>
+              <a:defRPr sz="2000" kern="1200">
+                <a:solidFill>
+                  <a:schemeClr val="tx1"/>
+                </a:solidFill>
+                <a:latin typeface="+mn-lt"/>
+                <a:ea typeface="+mn-ea"/>
+                <a:cs typeface="+mn-cs"/>
+              </a:defRPr>
+            </a:lvl3pPr>
+            <a:lvl4pPr marL="1600200" indent="-228600" algn="l" defTabSz="914400" rtl="0" eaLnBrk="1" latinLnBrk="0" hangingPunct="1">
+              <a:lnSpc>
+                <a:spcPct val="90000"/>
+              </a:lnSpc>
+              <a:spcBef>
+                <a:spcPts val="500"/>
+              </a:spcBef>
+              <a:buFont typeface="Arial" panose="020B0604020202020204" pitchFamily="34" charset="0"/>
+              <a:buChar char="•"/>
+              <a:defRPr sz="1800" kern="1200">
+                <a:solidFill>
+                  <a:schemeClr val="tx1"/>
+                </a:solidFill>
+                <a:latin typeface="+mn-lt"/>
+                <a:ea typeface="+mn-ea"/>
+                <a:cs typeface="+mn-cs"/>
+              </a:defRPr>
+            </a:lvl4pPr>
+            <a:lvl5pPr marL="2057400" indent="-228600" algn="l" defTabSz="914400" rtl="0" eaLnBrk="1" latinLnBrk="0" hangingPunct="1">
+              <a:lnSpc>
+                <a:spcPct val="90000"/>
+              </a:lnSpc>
+              <a:spcBef>
+                <a:spcPts val="500"/>
+              </a:spcBef>
+              <a:buFont typeface="Arial" panose="020B0604020202020204" pitchFamily="34" charset="0"/>
+              <a:buChar char="•"/>
+              <a:defRPr sz="1800" kern="1200">
+                <a:solidFill>
+                  <a:schemeClr val="tx1"/>
+                </a:solidFill>
+                <a:latin typeface="+mn-lt"/>
+                <a:ea typeface="+mn-ea"/>
+                <a:cs typeface="+mn-cs"/>
+              </a:defRPr>
+            </a:lvl5pPr>
+            <a:lvl6pPr marL="2514600" indent="-228600" algn="l" defTabSz="914400" rtl="0" eaLnBrk="1" latinLnBrk="0" hangingPunct="1">
+              <a:lnSpc>
+                <a:spcPct val="90000"/>
+              </a:lnSpc>
+              <a:spcBef>
+                <a:spcPts val="500"/>
+              </a:spcBef>
+              <a:buFont typeface="Arial" panose="020B0604020202020204" pitchFamily="34" charset="0"/>
+              <a:buChar char="•"/>
+              <a:defRPr sz="1800" kern="1200">
+                <a:solidFill>
+                  <a:schemeClr val="tx1"/>
+                </a:solidFill>
+                <a:latin typeface="+mn-lt"/>
+                <a:ea typeface="+mn-ea"/>
+                <a:cs typeface="+mn-cs"/>
+              </a:defRPr>
+            </a:lvl6pPr>
+            <a:lvl7pPr marL="2971800" indent="-228600" algn="l" defTabSz="914400" rtl="0" eaLnBrk="1" latinLnBrk="0" hangingPunct="1">
+              <a:lnSpc>
+                <a:spcPct val="90000"/>
+              </a:lnSpc>
+              <a:spcBef>
+                <a:spcPts val="500"/>
+              </a:spcBef>
+              <a:buFont typeface="Arial" panose="020B0604020202020204" pitchFamily="34" charset="0"/>
+              <a:buChar char="•"/>
+              <a:defRPr sz="1800" kern="1200">
+                <a:solidFill>
+                  <a:schemeClr val="tx1"/>
+                </a:solidFill>
+                <a:latin typeface="+mn-lt"/>
+                <a:ea typeface="+mn-ea"/>
+                <a:cs typeface="+mn-cs"/>
+              </a:defRPr>
+            </a:lvl7pPr>
+            <a:lvl8pPr marL="3429000" indent="-228600" algn="l" defTabSz="914400" rtl="0" eaLnBrk="1" latinLnBrk="0" hangingPunct="1">
+              <a:lnSpc>
+                <a:spcPct val="90000"/>
+              </a:lnSpc>
+              <a:spcBef>
+                <a:spcPts val="500"/>
+              </a:spcBef>
+              <a:buFont typeface="Arial" panose="020B0604020202020204" pitchFamily="34" charset="0"/>
+              <a:buChar char="•"/>
+              <a:defRPr sz="1800" kern="1200">
+                <a:solidFill>
+                  <a:schemeClr val="tx1"/>
+                </a:solidFill>
+                <a:latin typeface="+mn-lt"/>
+                <a:ea typeface="+mn-ea"/>
+                <a:cs typeface="+mn-cs"/>
+              </a:defRPr>
+            </a:lvl8pPr>
+            <a:lvl9pPr marL="3886200" indent="-228600" algn="l" defTabSz="914400" rtl="0" eaLnBrk="1" latinLnBrk="0" hangingPunct="1">
+              <a:lnSpc>
+                <a:spcPct val="90000"/>
+              </a:lnSpc>
+              <a:spcBef>
+                <a:spcPts val="500"/>
+              </a:spcBef>
+              <a:buFont typeface="Arial" panose="020B0604020202020204" pitchFamily="34" charset="0"/>
+              <a:buChar char="•"/>
+              <a:defRPr sz="1800" kern="1200">
+                <a:solidFill>
+                  <a:schemeClr val="tx1"/>
+                </a:solidFill>
+                <a:latin typeface="+mn-lt"/>
+                <a:ea typeface="+mn-ea"/>
+                <a:cs typeface="+mn-cs"/>
+              </a:defRPr>
+            </a:lvl9pPr>
+          </a:lstStyle>
+          <a:p>
+            <a:r>
+              <a:rPr lang="en-US" sz="1400" dirty="0"/>
+              <a:t>Ct computed as function of TSR</a:t>
+            </a:r>
+          </a:p>
+          <a:p>
+            <a:r>
+              <a:rPr lang="en-US" sz="1400" dirty="0"/>
+              <a:t>Evaluated for TSRs from 6 - 12</a:t>
+            </a:r>
+          </a:p>
+        </p:txBody>
+      </p:sp>
+    </p:spTree>
+    <p:extLst>
+      <p:ext uri="{BB962C8B-B14F-4D97-AF65-F5344CB8AC3E}">
+        <p14:creationId xmlns:p14="http://schemas.microsoft.com/office/powerpoint/2010/main" val="1130244928"/>
+      </p:ext>
+    </p:extLst>
+  </p:cSld>
+  <p:clrMapOvr>
+    <a:masterClrMapping/>
+  </p:clrMapOvr>
+</p:sld>
+</file>
+
+<file path=ppt/slides/slide6.xml><?xml version="1.0" encoding="utf-8"?>
+<p:sld xmlns:a="http://schemas.openxmlformats.org/drawingml/2006/main" xmlns:r="http://schemas.openxmlformats.org/officeDocument/2006/relationships" xmlns:p="http://schemas.openxmlformats.org/presentationml/2006/main">
+  <p:cSld>
+    <p:spTree>
+      <p:nvGrpSpPr>
+        <p:cNvPr id="1" name=""/>
+        <p:cNvGrpSpPr/>
+        <p:nvPr/>
+      </p:nvGrpSpPr>
+      <p:grpSpPr>
+        <a:xfrm>
+          <a:off x="0" y="0"/>
+          <a:ext cx="0" cy="0"/>
+          <a:chOff x="0" y="0"/>
+          <a:chExt cx="0" cy="0"/>
+        </a:xfrm>
+      </p:grpSpPr>
       <p:pic>
         <p:nvPicPr>
-          <p:cNvPr id="24" name="Picture 23">
-            <a:extLst>
-              <a:ext uri="{FF2B5EF4-FFF2-40B4-BE49-F238E27FC236}">
-                <a16:creationId xmlns:a16="http://schemas.microsoft.com/office/drawing/2014/main" id="{AFD15A0F-A64E-63E6-89DA-D287238A39AF}"/>
+          <p:cNvPr id="6" name="Content Placeholder 5">
+            <a:extLst>
+              <a:ext uri="{FF2B5EF4-FFF2-40B4-BE49-F238E27FC236}">
+                <a16:creationId xmlns:a16="http://schemas.microsoft.com/office/drawing/2014/main" id="{FE02A8CA-D458-5140-592C-747CCEEAFB71}"/>
+              </a:ext>
+            </a:extLst>
+          </p:cNvPr>
+          <p:cNvPicPr>
+            <a:picLocks noGrp="1" noChangeAspect="1"/>
+          </p:cNvPicPr>
+          <p:nvPr>
+            <p:ph sz="half" idx="1"/>
+          </p:nvPr>
+        </p:nvPicPr>
+        <p:blipFill>
+          <a:blip r:embed="rId2">
+            <a:extLst>
+              <a:ext uri="{28A0092B-C50C-407E-A947-70E740481C1C}">
+                <a14:useLocalDpi xmlns:a14="http://schemas.microsoft.com/office/drawing/2010/main" val="0"/>
+              </a:ext>
+            </a:extLst>
+          </a:blip>
+          <a:srcRect/>
+          <a:stretch/>
+        </p:blipFill>
+        <p:spPr>
+          <a:xfrm>
+            <a:off x="-3825" y="257961"/>
+            <a:ext cx="6023626" cy="6342077"/>
+          </a:xfrm>
+        </p:spPr>
+      </p:pic>
+      <p:pic>
+        <p:nvPicPr>
+          <p:cNvPr id="7" name="Content Placeholder 5">
+            <a:extLst>
+              <a:ext uri="{FF2B5EF4-FFF2-40B4-BE49-F238E27FC236}">
+                <a16:creationId xmlns:a16="http://schemas.microsoft.com/office/drawing/2014/main" id="{D5EF7228-BEA8-C3F4-5548-3583CED5C3C6}"/>
               </a:ext>
             </a:extLst>
           </p:cNvPr>
@@ -4346,15 +4557,20 @@
           <p:nvPr/>
         </p:nvPicPr>
         <p:blipFill>
-          <a:blip r:embed="rId3"/>
-          <a:stretch>
-            <a:fillRect/>
-          </a:stretch>
+          <a:blip r:embed="rId3">
+            <a:extLst>
+              <a:ext uri="{28A0092B-C50C-407E-A947-70E740481C1C}">
+                <a14:useLocalDpi xmlns:a14="http://schemas.microsoft.com/office/drawing/2010/main" val="0"/>
+              </a:ext>
+            </a:extLst>
+          </a:blip>
+          <a:srcRect/>
+          <a:stretch/>
         </p:blipFill>
         <p:spPr>
           <a:xfrm>
-            <a:off x="6271111" y="2063845"/>
-            <a:ext cx="4810741" cy="2730310"/>
+            <a:off x="6172201" y="257961"/>
+            <a:ext cx="6023626" cy="6342075"/>
           </a:xfrm>
           <a:prstGeom prst="rect">
             <a:avLst/>
@@ -4364,7 +4580,7 @@
     </p:spTree>
     <p:extLst>
       <p:ext uri="{BB962C8B-B14F-4D97-AF65-F5344CB8AC3E}">
-        <p14:creationId xmlns:p14="http://schemas.microsoft.com/office/powerpoint/2010/main" val="1130244928"/>
+        <p14:creationId xmlns:p14="http://schemas.microsoft.com/office/powerpoint/2010/main" val="137491290"/>
       </p:ext>
     </p:extLst>
   </p:cSld>
